--- a/Internship-1.pptx
+++ b/Internship-1.pptx
@@ -4,11 +4,21 @@
   <p:sldMasterIdLst>
     <p:sldMasterId id="2147483648" r:id="rId1"/>
   </p:sldMasterIdLst>
+  <p:notesMasterIdLst>
+    <p:notesMasterId r:id="rId13"/>
+  </p:notesMasterIdLst>
   <p:sldIdLst>
     <p:sldId id="256" r:id="rId2"/>
     <p:sldId id="257" r:id="rId3"/>
     <p:sldId id="258" r:id="rId4"/>
     <p:sldId id="259" r:id="rId5"/>
+    <p:sldId id="262" r:id="rId6"/>
+    <p:sldId id="260" r:id="rId7"/>
+    <p:sldId id="261" r:id="rId8"/>
+    <p:sldId id="264" r:id="rId9"/>
+    <p:sldId id="265" r:id="rId10"/>
+    <p:sldId id="266" r:id="rId11"/>
+    <p:sldId id="263" r:id="rId12"/>
   </p:sldIdLst>
   <p:sldSz cx="12192000" cy="6858000"/>
   <p:notesSz cx="6858000" cy="9144000"/>
@@ -116,12 +126,22 @@
             <p14:sldId id="257"/>
             <p14:sldId id="258"/>
             <p14:sldId id="259"/>
+            <p14:sldId id="262"/>
+            <p14:sldId id="260"/>
+            <p14:sldId id="261"/>
+            <p14:sldId id="264"/>
+            <p14:sldId id="265"/>
+            <p14:sldId id="266"/>
+            <p14:sldId id="263"/>
           </p14:sldIdLst>
         </p14:section>
         <p14:section name="Untitled Section" id="{E5B30CAC-F9EE-45CB-886A-BE0B2606B1E5}">
           <p14:sldIdLst/>
         </p14:section>
       </p14:sectionLst>
+    </p:ext>
+    <p:ext uri="{EFAFB233-063F-42B5-8137-9DF3F51BA10A}">
+      <p15:sldGuideLst xmlns:p15="http://schemas.microsoft.com/office/powerpoint/2012/main"/>
     </p:ext>
   </p:extLst>
 </p:presentation>
@@ -137,6 +157,440 @@
     </p:extLst>
   </p:cmAuthor>
 </p:cmAuthorLst>
+</file>
+
+<file path=ppt/notesMasters/notesMaster1.xml><?xml version="1.0" encoding="utf-8"?>
+<p:notesMaster xmlns:a="http://schemas.openxmlformats.org/drawingml/2006/main" xmlns:r="http://schemas.openxmlformats.org/officeDocument/2006/relationships" xmlns:p="http://schemas.openxmlformats.org/presentationml/2006/main">
+  <p:cSld>
+    <p:bg>
+      <p:bgRef idx="1001">
+        <a:schemeClr val="bg1"/>
+      </p:bgRef>
+    </p:bg>
+    <p:spTree>
+      <p:nvGrpSpPr>
+        <p:cNvPr id="1" name=""/>
+        <p:cNvGrpSpPr/>
+        <p:nvPr/>
+      </p:nvGrpSpPr>
+      <p:grpSpPr>
+        <a:xfrm>
+          <a:off x="0" y="0"/>
+          <a:ext cx="0" cy="0"/>
+          <a:chOff x="0" y="0"/>
+          <a:chExt cx="0" cy="0"/>
+        </a:xfrm>
+      </p:grpSpPr>
+      <p:sp>
+        <p:nvSpPr>
+          <p:cNvPr id="2" name="Header Placeholder 1"/>
+          <p:cNvSpPr>
+            <a:spLocks noGrp="1"/>
+          </p:cNvSpPr>
+          <p:nvPr>
+            <p:ph type="hdr" sz="quarter"/>
+          </p:nvPr>
+        </p:nvSpPr>
+        <p:spPr>
+          <a:xfrm>
+            <a:off x="0" y="0"/>
+            <a:ext cx="2971800" cy="458788"/>
+          </a:xfrm>
+          <a:prstGeom prst="rect">
+            <a:avLst/>
+          </a:prstGeom>
+        </p:spPr>
+        <p:txBody>
+          <a:bodyPr vert="horz" lIns="91440" tIns="45720" rIns="91440" bIns="45720" rtlCol="0"/>
+          <a:lstStyle>
+            <a:lvl1pPr algn="l">
+              <a:defRPr sz="1200"/>
+            </a:lvl1pPr>
+          </a:lstStyle>
+          <a:p>
+            <a:endParaRPr lang="en-IN"/>
+          </a:p>
+        </p:txBody>
+      </p:sp>
+      <p:sp>
+        <p:nvSpPr>
+          <p:cNvPr id="3" name="Date Placeholder 2"/>
+          <p:cNvSpPr>
+            <a:spLocks noGrp="1"/>
+          </p:cNvSpPr>
+          <p:nvPr>
+            <p:ph type="dt" idx="1"/>
+          </p:nvPr>
+        </p:nvSpPr>
+        <p:spPr>
+          <a:xfrm>
+            <a:off x="3884613" y="0"/>
+            <a:ext cx="2971800" cy="458788"/>
+          </a:xfrm>
+          <a:prstGeom prst="rect">
+            <a:avLst/>
+          </a:prstGeom>
+        </p:spPr>
+        <p:txBody>
+          <a:bodyPr vert="horz" lIns="91440" tIns="45720" rIns="91440" bIns="45720" rtlCol="0"/>
+          <a:lstStyle>
+            <a:lvl1pPr algn="r">
+              <a:defRPr sz="1200"/>
+            </a:lvl1pPr>
+          </a:lstStyle>
+          <a:p>
+            <a:fld id="{5E02E804-4DB2-4311-804B-64C9F9219016}" type="datetimeFigureOut">
+              <a:rPr lang="en-IN" smtClean="0"/>
+              <a:t>23-10-2024</a:t>
+            </a:fld>
+            <a:endParaRPr lang="en-IN"/>
+          </a:p>
+        </p:txBody>
+      </p:sp>
+      <p:sp>
+        <p:nvSpPr>
+          <p:cNvPr id="4" name="Slide Image Placeholder 3"/>
+          <p:cNvSpPr>
+            <a:spLocks noGrp="1" noRot="1" noChangeAspect="1"/>
+          </p:cNvSpPr>
+          <p:nvPr>
+            <p:ph type="sldImg" idx="2"/>
+          </p:nvPr>
+        </p:nvSpPr>
+        <p:spPr>
+          <a:xfrm>
+            <a:off x="685800" y="1143000"/>
+            <a:ext cx="5486400" cy="3086100"/>
+          </a:xfrm>
+          <a:prstGeom prst="rect">
+            <a:avLst/>
+          </a:prstGeom>
+          <a:noFill/>
+          <a:ln w="12700">
+            <a:solidFill>
+              <a:prstClr val="black"/>
+            </a:solidFill>
+          </a:ln>
+        </p:spPr>
+        <p:txBody>
+          <a:bodyPr vert="horz" lIns="91440" tIns="45720" rIns="91440" bIns="45720" rtlCol="0" anchor="ctr"/>
+          <a:lstStyle/>
+          <a:p>
+            <a:endParaRPr lang="en-IN"/>
+          </a:p>
+        </p:txBody>
+      </p:sp>
+      <p:sp>
+        <p:nvSpPr>
+          <p:cNvPr id="5" name="Notes Placeholder 4"/>
+          <p:cNvSpPr>
+            <a:spLocks noGrp="1"/>
+          </p:cNvSpPr>
+          <p:nvPr>
+            <p:ph type="body" sz="quarter" idx="3"/>
+          </p:nvPr>
+        </p:nvSpPr>
+        <p:spPr>
+          <a:xfrm>
+            <a:off x="685800" y="4400550"/>
+            <a:ext cx="5486400" cy="3600450"/>
+          </a:xfrm>
+          <a:prstGeom prst="rect">
+            <a:avLst/>
+          </a:prstGeom>
+        </p:spPr>
+        <p:txBody>
+          <a:bodyPr vert="horz" lIns="91440" tIns="45720" rIns="91440" bIns="45720" rtlCol="0"/>
+          <a:lstStyle/>
+          <a:p>
+            <a:pPr lvl="0"/>
+            <a:r>
+              <a:rPr lang="en-US"/>
+              <a:t>Click to edit Master text styles</a:t>
+            </a:r>
+          </a:p>
+          <a:p>
+            <a:pPr lvl="1"/>
+            <a:r>
+              <a:rPr lang="en-US"/>
+              <a:t>Second level</a:t>
+            </a:r>
+          </a:p>
+          <a:p>
+            <a:pPr lvl="2"/>
+            <a:r>
+              <a:rPr lang="en-US"/>
+              <a:t>Third level</a:t>
+            </a:r>
+          </a:p>
+          <a:p>
+            <a:pPr lvl="3"/>
+            <a:r>
+              <a:rPr lang="en-US"/>
+              <a:t>Fourth level</a:t>
+            </a:r>
+          </a:p>
+          <a:p>
+            <a:pPr lvl="4"/>
+            <a:r>
+              <a:rPr lang="en-US"/>
+              <a:t>Fifth level</a:t>
+            </a:r>
+            <a:endParaRPr lang="en-IN"/>
+          </a:p>
+        </p:txBody>
+      </p:sp>
+      <p:sp>
+        <p:nvSpPr>
+          <p:cNvPr id="6" name="Footer Placeholder 5"/>
+          <p:cNvSpPr>
+            <a:spLocks noGrp="1"/>
+          </p:cNvSpPr>
+          <p:nvPr>
+            <p:ph type="ftr" sz="quarter" idx="4"/>
+          </p:nvPr>
+        </p:nvSpPr>
+        <p:spPr>
+          <a:xfrm>
+            <a:off x="0" y="8685213"/>
+            <a:ext cx="2971800" cy="458787"/>
+          </a:xfrm>
+          <a:prstGeom prst="rect">
+            <a:avLst/>
+          </a:prstGeom>
+        </p:spPr>
+        <p:txBody>
+          <a:bodyPr vert="horz" lIns="91440" tIns="45720" rIns="91440" bIns="45720" rtlCol="0" anchor="b"/>
+          <a:lstStyle>
+            <a:lvl1pPr algn="l">
+              <a:defRPr sz="1200"/>
+            </a:lvl1pPr>
+          </a:lstStyle>
+          <a:p>
+            <a:endParaRPr lang="en-IN"/>
+          </a:p>
+        </p:txBody>
+      </p:sp>
+      <p:sp>
+        <p:nvSpPr>
+          <p:cNvPr id="7" name="Slide Number Placeholder 6"/>
+          <p:cNvSpPr>
+            <a:spLocks noGrp="1"/>
+          </p:cNvSpPr>
+          <p:nvPr>
+            <p:ph type="sldNum" sz="quarter" idx="5"/>
+          </p:nvPr>
+        </p:nvSpPr>
+        <p:spPr>
+          <a:xfrm>
+            <a:off x="3884613" y="8685213"/>
+            <a:ext cx="2971800" cy="458787"/>
+          </a:xfrm>
+          <a:prstGeom prst="rect">
+            <a:avLst/>
+          </a:prstGeom>
+        </p:spPr>
+        <p:txBody>
+          <a:bodyPr vert="horz" lIns="91440" tIns="45720" rIns="91440" bIns="45720" rtlCol="0" anchor="b"/>
+          <a:lstStyle>
+            <a:lvl1pPr algn="r">
+              <a:defRPr sz="1200"/>
+            </a:lvl1pPr>
+          </a:lstStyle>
+          <a:p>
+            <a:fld id="{4939D6FC-81D5-4F72-AC7A-AC9A92FA5BCF}" type="slidenum">
+              <a:rPr lang="en-IN" smtClean="0"/>
+              <a:t>‹#›</a:t>
+            </a:fld>
+            <a:endParaRPr lang="en-IN"/>
+          </a:p>
+        </p:txBody>
+      </p:sp>
+    </p:spTree>
+    <p:extLst>
+      <p:ext uri="{BB962C8B-B14F-4D97-AF65-F5344CB8AC3E}">
+        <p14:creationId xmlns:p14="http://schemas.microsoft.com/office/powerpoint/2010/main" val="2657134515"/>
+      </p:ext>
+    </p:extLst>
+  </p:cSld>
+  <p:clrMap bg1="lt1" tx1="dk1" bg2="lt2" tx2="dk2" accent1="accent1" accent2="accent2" accent3="accent3" accent4="accent4" accent5="accent5" accent6="accent6" hlink="hlink" folHlink="folHlink"/>
+  <p:notesStyle>
+    <a:lvl1pPr marL="0" algn="l" defTabSz="914400" rtl="0" eaLnBrk="1" latinLnBrk="0" hangingPunct="1">
+      <a:defRPr sz="1200" kern="1200">
+        <a:solidFill>
+          <a:schemeClr val="tx1"/>
+        </a:solidFill>
+        <a:latin typeface="+mn-lt"/>
+        <a:ea typeface="+mn-ea"/>
+        <a:cs typeface="+mn-cs"/>
+      </a:defRPr>
+    </a:lvl1pPr>
+    <a:lvl2pPr marL="457200" algn="l" defTabSz="914400" rtl="0" eaLnBrk="1" latinLnBrk="0" hangingPunct="1">
+      <a:defRPr sz="1200" kern="1200">
+        <a:solidFill>
+          <a:schemeClr val="tx1"/>
+        </a:solidFill>
+        <a:latin typeface="+mn-lt"/>
+        <a:ea typeface="+mn-ea"/>
+        <a:cs typeface="+mn-cs"/>
+      </a:defRPr>
+    </a:lvl2pPr>
+    <a:lvl3pPr marL="914400" algn="l" defTabSz="914400" rtl="0" eaLnBrk="1" latinLnBrk="0" hangingPunct="1">
+      <a:defRPr sz="1200" kern="1200">
+        <a:solidFill>
+          <a:schemeClr val="tx1"/>
+        </a:solidFill>
+        <a:latin typeface="+mn-lt"/>
+        <a:ea typeface="+mn-ea"/>
+        <a:cs typeface="+mn-cs"/>
+      </a:defRPr>
+    </a:lvl3pPr>
+    <a:lvl4pPr marL="1371600" algn="l" defTabSz="914400" rtl="0" eaLnBrk="1" latinLnBrk="0" hangingPunct="1">
+      <a:defRPr sz="1200" kern="1200">
+        <a:solidFill>
+          <a:schemeClr val="tx1"/>
+        </a:solidFill>
+        <a:latin typeface="+mn-lt"/>
+        <a:ea typeface="+mn-ea"/>
+        <a:cs typeface="+mn-cs"/>
+      </a:defRPr>
+    </a:lvl4pPr>
+    <a:lvl5pPr marL="1828800" algn="l" defTabSz="914400" rtl="0" eaLnBrk="1" latinLnBrk="0" hangingPunct="1">
+      <a:defRPr sz="1200" kern="1200">
+        <a:solidFill>
+          <a:schemeClr val="tx1"/>
+        </a:solidFill>
+        <a:latin typeface="+mn-lt"/>
+        <a:ea typeface="+mn-ea"/>
+        <a:cs typeface="+mn-cs"/>
+      </a:defRPr>
+    </a:lvl5pPr>
+    <a:lvl6pPr marL="2286000" algn="l" defTabSz="914400" rtl="0" eaLnBrk="1" latinLnBrk="0" hangingPunct="1">
+      <a:defRPr sz="1200" kern="1200">
+        <a:solidFill>
+          <a:schemeClr val="tx1"/>
+        </a:solidFill>
+        <a:latin typeface="+mn-lt"/>
+        <a:ea typeface="+mn-ea"/>
+        <a:cs typeface="+mn-cs"/>
+      </a:defRPr>
+    </a:lvl6pPr>
+    <a:lvl7pPr marL="2743200" algn="l" defTabSz="914400" rtl="0" eaLnBrk="1" latinLnBrk="0" hangingPunct="1">
+      <a:defRPr sz="1200" kern="1200">
+        <a:solidFill>
+          <a:schemeClr val="tx1"/>
+        </a:solidFill>
+        <a:latin typeface="+mn-lt"/>
+        <a:ea typeface="+mn-ea"/>
+        <a:cs typeface="+mn-cs"/>
+      </a:defRPr>
+    </a:lvl7pPr>
+    <a:lvl8pPr marL="3200400" algn="l" defTabSz="914400" rtl="0" eaLnBrk="1" latinLnBrk="0" hangingPunct="1">
+      <a:defRPr sz="1200" kern="1200">
+        <a:solidFill>
+          <a:schemeClr val="tx1"/>
+        </a:solidFill>
+        <a:latin typeface="+mn-lt"/>
+        <a:ea typeface="+mn-ea"/>
+        <a:cs typeface="+mn-cs"/>
+      </a:defRPr>
+    </a:lvl8pPr>
+    <a:lvl9pPr marL="3657600" algn="l" defTabSz="914400" rtl="0" eaLnBrk="1" latinLnBrk="0" hangingPunct="1">
+      <a:defRPr sz="1200" kern="1200">
+        <a:solidFill>
+          <a:schemeClr val="tx1"/>
+        </a:solidFill>
+        <a:latin typeface="+mn-lt"/>
+        <a:ea typeface="+mn-ea"/>
+        <a:cs typeface="+mn-cs"/>
+      </a:defRPr>
+    </a:lvl9pPr>
+  </p:notesStyle>
+</p:notesMaster>
+</file>
+
+<file path=ppt/notesSlides/notesSlide1.xml><?xml version="1.0" encoding="utf-8"?>
+<p:notes xmlns:a="http://schemas.openxmlformats.org/drawingml/2006/main" xmlns:r="http://schemas.openxmlformats.org/officeDocument/2006/relationships" xmlns:p="http://schemas.openxmlformats.org/presentationml/2006/main">
+  <p:cSld>
+    <p:spTree>
+      <p:nvGrpSpPr>
+        <p:cNvPr id="1" name=""/>
+        <p:cNvGrpSpPr/>
+        <p:nvPr/>
+      </p:nvGrpSpPr>
+      <p:grpSpPr>
+        <a:xfrm>
+          <a:off x="0" y="0"/>
+          <a:ext cx="0" cy="0"/>
+          <a:chOff x="0" y="0"/>
+          <a:chExt cx="0" cy="0"/>
+        </a:xfrm>
+      </p:grpSpPr>
+      <p:sp>
+        <p:nvSpPr>
+          <p:cNvPr id="2" name="Slide Image Placeholder 1"/>
+          <p:cNvSpPr>
+            <a:spLocks noGrp="1" noRot="1" noChangeAspect="1"/>
+          </p:cNvSpPr>
+          <p:nvPr>
+            <p:ph type="sldImg"/>
+          </p:nvPr>
+        </p:nvSpPr>
+        <p:spPr/>
+      </p:sp>
+      <p:sp>
+        <p:nvSpPr>
+          <p:cNvPr id="3" name="Notes Placeholder 2"/>
+          <p:cNvSpPr>
+            <a:spLocks noGrp="1"/>
+          </p:cNvSpPr>
+          <p:nvPr>
+            <p:ph type="body" idx="1"/>
+          </p:nvPr>
+        </p:nvSpPr>
+        <p:spPr/>
+        <p:txBody>
+          <a:bodyPr/>
+          <a:lstStyle/>
+          <a:p>
+            <a:endParaRPr lang="en-IN" dirty="0"/>
+          </a:p>
+        </p:txBody>
+      </p:sp>
+      <p:sp>
+        <p:nvSpPr>
+          <p:cNvPr id="4" name="Slide Number Placeholder 3"/>
+          <p:cNvSpPr>
+            <a:spLocks noGrp="1"/>
+          </p:cNvSpPr>
+          <p:nvPr>
+            <p:ph type="sldNum" sz="quarter" idx="5"/>
+          </p:nvPr>
+        </p:nvSpPr>
+        <p:spPr/>
+        <p:txBody>
+          <a:bodyPr/>
+          <a:lstStyle/>
+          <a:p>
+            <a:fld id="{4939D6FC-81D5-4F72-AC7A-AC9A92FA5BCF}" type="slidenum">
+              <a:rPr lang="en-IN" smtClean="0"/>
+              <a:t>1</a:t>
+            </a:fld>
+            <a:endParaRPr lang="en-IN"/>
+          </a:p>
+        </p:txBody>
+      </p:sp>
+    </p:spTree>
+    <p:extLst>
+      <p:ext uri="{BB962C8B-B14F-4D97-AF65-F5344CB8AC3E}">
+        <p14:creationId xmlns:p14="http://schemas.microsoft.com/office/powerpoint/2010/main" val="2617455113"/>
+      </p:ext>
+    </p:extLst>
+  </p:cSld>
+  <p:clrMapOvr>
+    <a:masterClrMapping/>
+  </p:clrMapOvr>
+</p:notes>
 </file>
 
 <file path=ppt/slideLayouts/slideLayout1.xml><?xml version="1.0" encoding="utf-8"?>
@@ -288,7 +742,7 @@
           <a:p>
             <a:fld id="{4F517D77-A47D-4DA8-9B16-08B80D5129D8}" type="datetimeFigureOut">
               <a:rPr lang="en-IN" smtClean="0"/>
-              <a:t>23-08-2024</a:t>
+              <a:t>23-10-2024</a:t>
             </a:fld>
             <a:endParaRPr lang="en-IN"/>
           </a:p>
@@ -488,7 +942,7 @@
           <a:p>
             <a:fld id="{4F517D77-A47D-4DA8-9B16-08B80D5129D8}" type="datetimeFigureOut">
               <a:rPr lang="en-IN" smtClean="0"/>
-              <a:t>23-08-2024</a:t>
+              <a:t>23-10-2024</a:t>
             </a:fld>
             <a:endParaRPr lang="en-IN"/>
           </a:p>
@@ -698,7 +1152,7 @@
           <a:p>
             <a:fld id="{4F517D77-A47D-4DA8-9B16-08B80D5129D8}" type="datetimeFigureOut">
               <a:rPr lang="en-IN" smtClean="0"/>
-              <a:t>23-08-2024</a:t>
+              <a:t>23-10-2024</a:t>
             </a:fld>
             <a:endParaRPr lang="en-IN"/>
           </a:p>
@@ -898,7 +1352,7 @@
           <a:p>
             <a:fld id="{4F517D77-A47D-4DA8-9B16-08B80D5129D8}" type="datetimeFigureOut">
               <a:rPr lang="en-IN" smtClean="0"/>
-              <a:t>23-08-2024</a:t>
+              <a:t>23-10-2024</a:t>
             </a:fld>
             <a:endParaRPr lang="en-IN"/>
           </a:p>
@@ -1174,7 +1628,7 @@
           <a:p>
             <a:fld id="{4F517D77-A47D-4DA8-9B16-08B80D5129D8}" type="datetimeFigureOut">
               <a:rPr lang="en-IN" smtClean="0"/>
-              <a:t>23-08-2024</a:t>
+              <a:t>23-10-2024</a:t>
             </a:fld>
             <a:endParaRPr lang="en-IN"/>
           </a:p>
@@ -1442,7 +1896,7 @@
           <a:p>
             <a:fld id="{4F517D77-A47D-4DA8-9B16-08B80D5129D8}" type="datetimeFigureOut">
               <a:rPr lang="en-IN" smtClean="0"/>
-              <a:t>23-08-2024</a:t>
+              <a:t>23-10-2024</a:t>
             </a:fld>
             <a:endParaRPr lang="en-IN"/>
           </a:p>
@@ -1857,7 +2311,7 @@
           <a:p>
             <a:fld id="{4F517D77-A47D-4DA8-9B16-08B80D5129D8}" type="datetimeFigureOut">
               <a:rPr lang="en-IN" smtClean="0"/>
-              <a:t>23-08-2024</a:t>
+              <a:t>23-10-2024</a:t>
             </a:fld>
             <a:endParaRPr lang="en-IN"/>
           </a:p>
@@ -1999,7 +2453,7 @@
           <a:p>
             <a:fld id="{4F517D77-A47D-4DA8-9B16-08B80D5129D8}" type="datetimeFigureOut">
               <a:rPr lang="en-IN" smtClean="0"/>
-              <a:t>23-08-2024</a:t>
+              <a:t>23-10-2024</a:t>
             </a:fld>
             <a:endParaRPr lang="en-IN"/>
           </a:p>
@@ -2112,7 +2566,7 @@
           <a:p>
             <a:fld id="{4F517D77-A47D-4DA8-9B16-08B80D5129D8}" type="datetimeFigureOut">
               <a:rPr lang="en-IN" smtClean="0"/>
-              <a:t>23-08-2024</a:t>
+              <a:t>23-10-2024</a:t>
             </a:fld>
             <a:endParaRPr lang="en-IN"/>
           </a:p>
@@ -2425,7 +2879,7 @@
           <a:p>
             <a:fld id="{4F517D77-A47D-4DA8-9B16-08B80D5129D8}" type="datetimeFigureOut">
               <a:rPr lang="en-IN" smtClean="0"/>
-              <a:t>23-08-2024</a:t>
+              <a:t>23-10-2024</a:t>
             </a:fld>
             <a:endParaRPr lang="en-IN"/>
           </a:p>
@@ -2714,7 +3168,7 @@
           <a:p>
             <a:fld id="{4F517D77-A47D-4DA8-9B16-08B80D5129D8}" type="datetimeFigureOut">
               <a:rPr lang="en-IN" smtClean="0"/>
-              <a:t>23-08-2024</a:t>
+              <a:t>23-10-2024</a:t>
             </a:fld>
             <a:endParaRPr lang="en-IN"/>
           </a:p>
@@ -2957,7 +3411,7 @@
           <a:p>
             <a:fld id="{4F517D77-A47D-4DA8-9B16-08B80D5129D8}" type="datetimeFigureOut">
               <a:rPr lang="en-IN" smtClean="0"/>
-              <a:t>23-08-2024</a:t>
+              <a:t>23-10-2024</a:t>
             </a:fld>
             <a:endParaRPr lang="en-IN"/>
           </a:p>
@@ -3451,6 +3905,277 @@
 </p:sld>
 </file>
 
+<file path=ppt/slides/slide10.xml><?xml version="1.0" encoding="utf-8"?>
+<p:sld xmlns:a="http://schemas.openxmlformats.org/drawingml/2006/main" xmlns:r="http://schemas.openxmlformats.org/officeDocument/2006/relationships" xmlns:p="http://schemas.openxmlformats.org/presentationml/2006/main">
+  <p:cSld>
+    <p:spTree>
+      <p:nvGrpSpPr>
+        <p:cNvPr id="1" name=""/>
+        <p:cNvGrpSpPr/>
+        <p:nvPr/>
+      </p:nvGrpSpPr>
+      <p:grpSpPr>
+        <a:xfrm>
+          <a:off x="0" y="0"/>
+          <a:ext cx="0" cy="0"/>
+          <a:chOff x="0" y="0"/>
+          <a:chExt cx="0" cy="0"/>
+        </a:xfrm>
+      </p:grpSpPr>
+      <p:sp>
+        <p:nvSpPr>
+          <p:cNvPr id="2" name="Title 1">
+            <a:extLst>
+              <a:ext uri="{FF2B5EF4-FFF2-40B4-BE49-F238E27FC236}">
+                <a16:creationId xmlns:a16="http://schemas.microsoft.com/office/drawing/2014/main" id="{40DD203D-0C39-4977-8FDE-17D40010DB63}"/>
+              </a:ext>
+            </a:extLst>
+          </p:cNvPr>
+          <p:cNvSpPr>
+            <a:spLocks noGrp="1"/>
+          </p:cNvSpPr>
+          <p:nvPr>
+            <p:ph type="title"/>
+          </p:nvPr>
+        </p:nvSpPr>
+        <p:spPr/>
+        <p:txBody>
+          <a:bodyPr/>
+          <a:lstStyle/>
+          <a:p>
+            <a:endParaRPr lang="en-IN"/>
+          </a:p>
+        </p:txBody>
+      </p:sp>
+      <p:sp>
+        <p:nvSpPr>
+          <p:cNvPr id="3" name="Content Placeholder 2">
+            <a:extLst>
+              <a:ext uri="{FF2B5EF4-FFF2-40B4-BE49-F238E27FC236}">
+                <a16:creationId xmlns:a16="http://schemas.microsoft.com/office/drawing/2014/main" id="{77BBDB54-950A-4F06-AE5F-02E6DBDDAEAE}"/>
+              </a:ext>
+            </a:extLst>
+          </p:cNvPr>
+          <p:cNvSpPr>
+            <a:spLocks noGrp="1"/>
+          </p:cNvSpPr>
+          <p:nvPr>
+            <p:ph idx="1"/>
+          </p:nvPr>
+        </p:nvSpPr>
+        <p:spPr/>
+        <p:txBody>
+          <a:bodyPr/>
+          <a:lstStyle/>
+          <a:p>
+            <a:r>
+              <a:rPr lang="en-IN" b="1" dirty="0"/>
+              <a:t>Discriminator Network Layers:</a:t>
+            </a:r>
+          </a:p>
+          <a:p>
+            <a:pPr>
+              <a:buFont typeface="+mj-lt"/>
+              <a:buAutoNum type="arabicPeriod"/>
+            </a:pPr>
+            <a:r>
+              <a:rPr lang="en-IN" b="1" dirty="0"/>
+              <a:t>Conv2D (64 filters)</a:t>
+            </a:r>
+            <a:r>
+              <a:rPr lang="en-IN" dirty="0"/>
+              <a:t>: 1st layer (convolution for feature extraction)</a:t>
+            </a:r>
+          </a:p>
+          <a:p>
+            <a:pPr>
+              <a:buFont typeface="+mj-lt"/>
+              <a:buAutoNum type="arabicPeriod"/>
+            </a:pPr>
+            <a:r>
+              <a:rPr lang="en-IN" b="1" dirty="0" err="1"/>
+              <a:t>LeakyReLU</a:t>
+            </a:r>
+            <a:r>
+              <a:rPr lang="en-IN" dirty="0"/>
+              <a:t>: 2nd layer (activation function)</a:t>
+            </a:r>
+          </a:p>
+          <a:p>
+            <a:pPr>
+              <a:buFont typeface="+mj-lt"/>
+              <a:buAutoNum type="arabicPeriod"/>
+            </a:pPr>
+            <a:r>
+              <a:rPr lang="en-IN" b="1" dirty="0"/>
+              <a:t>Flatten</a:t>
+            </a:r>
+            <a:r>
+              <a:rPr lang="en-IN" dirty="0"/>
+              <a:t>: 3rd layer (flattening the feature map)</a:t>
+            </a:r>
+          </a:p>
+          <a:p>
+            <a:pPr>
+              <a:buFont typeface="+mj-lt"/>
+              <a:buAutoNum type="arabicPeriod"/>
+            </a:pPr>
+            <a:r>
+              <a:rPr lang="en-IN" b="1" dirty="0"/>
+              <a:t>Dense (1 neuron, sigmoid activation)</a:t>
+            </a:r>
+            <a:r>
+              <a:rPr lang="en-IN" dirty="0"/>
+              <a:t>: 4th layer (output layer, real/fake classification)</a:t>
+            </a:r>
+          </a:p>
+          <a:p>
+            <a:pPr marL="0" indent="0">
+              <a:buNone/>
+            </a:pPr>
+            <a:endParaRPr lang="en-IN" dirty="0"/>
+          </a:p>
+        </p:txBody>
+      </p:sp>
+    </p:spTree>
+    <p:extLst>
+      <p:ext uri="{BB962C8B-B14F-4D97-AF65-F5344CB8AC3E}">
+        <p14:creationId xmlns:p14="http://schemas.microsoft.com/office/powerpoint/2010/main" val="1703373867"/>
+      </p:ext>
+    </p:extLst>
+  </p:cSld>
+  <p:clrMapOvr>
+    <a:masterClrMapping/>
+  </p:clrMapOvr>
+</p:sld>
+</file>
+
+<file path=ppt/slides/slide11.xml><?xml version="1.0" encoding="utf-8"?>
+<p:sld xmlns:a="http://schemas.openxmlformats.org/drawingml/2006/main" xmlns:r="http://schemas.openxmlformats.org/officeDocument/2006/relationships" xmlns:p="http://schemas.openxmlformats.org/presentationml/2006/main">
+  <p:cSld>
+    <p:spTree>
+      <p:nvGrpSpPr>
+        <p:cNvPr id="1" name=""/>
+        <p:cNvGrpSpPr/>
+        <p:nvPr/>
+      </p:nvGrpSpPr>
+      <p:grpSpPr>
+        <a:xfrm>
+          <a:off x="0" y="0"/>
+          <a:ext cx="0" cy="0"/>
+          <a:chOff x="0" y="0"/>
+          <a:chExt cx="0" cy="0"/>
+        </a:xfrm>
+      </p:grpSpPr>
+      <p:sp>
+        <p:nvSpPr>
+          <p:cNvPr id="2" name="Title 1">
+            <a:extLst>
+              <a:ext uri="{FF2B5EF4-FFF2-40B4-BE49-F238E27FC236}">
+                <a16:creationId xmlns:a16="http://schemas.microsoft.com/office/drawing/2014/main" id="{F596ECCD-E4E4-482C-94A6-FAF54221C14C}"/>
+              </a:ext>
+            </a:extLst>
+          </p:cNvPr>
+          <p:cNvSpPr>
+            <a:spLocks noGrp="1"/>
+          </p:cNvSpPr>
+          <p:nvPr>
+            <p:ph type="title"/>
+          </p:nvPr>
+        </p:nvSpPr>
+        <p:spPr/>
+        <p:txBody>
+          <a:bodyPr/>
+          <a:lstStyle/>
+          <a:p>
+            <a:r>
+              <a:rPr lang="en-US" b="1" dirty="0"/>
+              <a:t>Results for CNN Classification Model</a:t>
+            </a:r>
+            <a:endParaRPr lang="en-IN" b="1" dirty="0"/>
+          </a:p>
+        </p:txBody>
+      </p:sp>
+      <p:sp>
+        <p:nvSpPr>
+          <p:cNvPr id="3" name="Content Placeholder 2">
+            <a:extLst>
+              <a:ext uri="{FF2B5EF4-FFF2-40B4-BE49-F238E27FC236}">
+                <a16:creationId xmlns:a16="http://schemas.microsoft.com/office/drawing/2014/main" id="{73A7C329-4B25-45E1-BD08-43C14588E321}"/>
+              </a:ext>
+            </a:extLst>
+          </p:cNvPr>
+          <p:cNvSpPr>
+            <a:spLocks noGrp="1"/>
+          </p:cNvSpPr>
+          <p:nvPr>
+            <p:ph idx="1"/>
+          </p:nvPr>
+        </p:nvSpPr>
+        <p:spPr/>
+        <p:txBody>
+          <a:bodyPr/>
+          <a:lstStyle/>
+          <a:p>
+            <a:pPr marL="0" indent="0">
+              <a:buNone/>
+            </a:pPr>
+            <a:r>
+              <a:rPr lang="en-US" dirty="0"/>
+              <a:t>Oversampling Method Accuracy: 23.66%</a:t>
+            </a:r>
+          </a:p>
+          <a:p>
+            <a:pPr marL="0" indent="0">
+              <a:buNone/>
+            </a:pPr>
+            <a:r>
+              <a:rPr lang="en-US" dirty="0" err="1"/>
+              <a:t>Class_weighted</a:t>
+            </a:r>
+            <a:r>
+              <a:rPr lang="en-US" dirty="0"/>
+              <a:t> Method Accuracy: 66.53%</a:t>
+            </a:r>
+          </a:p>
+          <a:p>
+            <a:pPr marL="0" indent="0">
+              <a:buNone/>
+            </a:pPr>
+            <a:r>
+              <a:rPr lang="en-US" dirty="0" err="1"/>
+              <a:t>Focal_loss</a:t>
+            </a:r>
+            <a:r>
+              <a:rPr lang="en-US" dirty="0"/>
+              <a:t> Method Accuracy: 83.33%</a:t>
+            </a:r>
+          </a:p>
+          <a:p>
+            <a:pPr marL="0" indent="0">
+              <a:buNone/>
+            </a:pPr>
+            <a:r>
+              <a:rPr lang="en-US" dirty="0"/>
+              <a:t>Gan Method Accuracy: 85.43%</a:t>
+            </a:r>
+            <a:endParaRPr lang="en-IN" dirty="0"/>
+          </a:p>
+        </p:txBody>
+      </p:sp>
+    </p:spTree>
+    <p:extLst>
+      <p:ext uri="{BB962C8B-B14F-4D97-AF65-F5344CB8AC3E}">
+        <p14:creationId xmlns:p14="http://schemas.microsoft.com/office/powerpoint/2010/main" val="3527917418"/>
+      </p:ext>
+    </p:extLst>
+  </p:cSld>
+  <p:clrMapOvr>
+    <a:masterClrMapping/>
+  </p:clrMapOvr>
+</p:sld>
+</file>
+
 <file path=ppt/slides/slide2.xml><?xml version="1.0" encoding="utf-8"?>
 <p:sld xmlns:a="http://schemas.openxmlformats.org/drawingml/2006/main" xmlns:r="http://schemas.openxmlformats.org/officeDocument/2006/relationships" xmlns:p="http://schemas.openxmlformats.org/presentationml/2006/main">
   <p:cSld>
@@ -3978,6 +4703,1183 @@
     <p:extLst>
       <p:ext uri="{BB962C8B-B14F-4D97-AF65-F5344CB8AC3E}">
         <p14:creationId xmlns:p14="http://schemas.microsoft.com/office/powerpoint/2010/main" val="3622037600"/>
+      </p:ext>
+    </p:extLst>
+  </p:cSld>
+  <p:clrMapOvr>
+    <a:masterClrMapping/>
+  </p:clrMapOvr>
+</p:sld>
+</file>
+
+<file path=ppt/slides/slide5.xml><?xml version="1.0" encoding="utf-8"?>
+<p:sld xmlns:a="http://schemas.openxmlformats.org/drawingml/2006/main" xmlns:r="http://schemas.openxmlformats.org/officeDocument/2006/relationships" xmlns:p="http://schemas.openxmlformats.org/presentationml/2006/main">
+  <p:cSld>
+    <p:spTree>
+      <p:nvGrpSpPr>
+        <p:cNvPr id="1" name=""/>
+        <p:cNvGrpSpPr/>
+        <p:nvPr/>
+      </p:nvGrpSpPr>
+      <p:grpSpPr>
+        <a:xfrm>
+          <a:off x="0" y="0"/>
+          <a:ext cx="0" cy="0"/>
+          <a:chOff x="0" y="0"/>
+          <a:chExt cx="0" cy="0"/>
+        </a:xfrm>
+      </p:grpSpPr>
+      <p:sp>
+        <p:nvSpPr>
+          <p:cNvPr id="5" name="Title 4">
+            <a:extLst>
+              <a:ext uri="{FF2B5EF4-FFF2-40B4-BE49-F238E27FC236}">
+                <a16:creationId xmlns:a16="http://schemas.microsoft.com/office/drawing/2014/main" id="{FD00A06C-108B-46AC-B7E0-ED2A29022115}"/>
+              </a:ext>
+            </a:extLst>
+          </p:cNvPr>
+          <p:cNvSpPr>
+            <a:spLocks noGrp="1"/>
+          </p:cNvSpPr>
+          <p:nvPr>
+            <p:ph type="title"/>
+          </p:nvPr>
+        </p:nvSpPr>
+        <p:spPr/>
+        <p:txBody>
+          <a:bodyPr/>
+          <a:lstStyle/>
+          <a:p>
+            <a:r>
+              <a:rPr lang="en-US" dirty="0"/>
+              <a:t>Methods used to handle Unbalanced Data</a:t>
+            </a:r>
+            <a:endParaRPr lang="en-IN" dirty="0"/>
+          </a:p>
+        </p:txBody>
+      </p:sp>
+      <p:sp>
+        <p:nvSpPr>
+          <p:cNvPr id="6" name="Content Placeholder 5">
+            <a:extLst>
+              <a:ext uri="{FF2B5EF4-FFF2-40B4-BE49-F238E27FC236}">
+                <a16:creationId xmlns:a16="http://schemas.microsoft.com/office/drawing/2014/main" id="{46F8F766-F6A9-43DC-9FDA-9DB8506ACEC7}"/>
+              </a:ext>
+            </a:extLst>
+          </p:cNvPr>
+          <p:cNvSpPr>
+            <a:spLocks noGrp="1"/>
+          </p:cNvSpPr>
+          <p:nvPr>
+            <p:ph idx="1"/>
+          </p:nvPr>
+        </p:nvSpPr>
+        <p:spPr/>
+        <p:txBody>
+          <a:bodyPr>
+            <a:normAutofit lnSpcReduction="10000"/>
+          </a:bodyPr>
+          <a:lstStyle/>
+          <a:p>
+            <a:r>
+              <a:rPr lang="en-US" dirty="0"/>
+              <a:t>Class weighting</a:t>
+            </a:r>
+          </a:p>
+          <a:p>
+            <a:r>
+              <a:rPr lang="en-US" dirty="0"/>
+              <a:t>Focal Loss</a:t>
+            </a:r>
+          </a:p>
+          <a:p>
+            <a:r>
+              <a:rPr lang="en-US" dirty="0"/>
+              <a:t>GAN</a:t>
+            </a:r>
+          </a:p>
+          <a:p>
+            <a:r>
+              <a:rPr lang="en-US" dirty="0"/>
+              <a:t>Oversampling and Augmentation</a:t>
+            </a:r>
+          </a:p>
+          <a:p>
+            <a:endParaRPr lang="en-US" dirty="0"/>
+          </a:p>
+          <a:p>
+            <a:pPr marL="0" indent="0">
+              <a:buNone/>
+            </a:pPr>
+            <a:r>
+              <a:rPr lang="en-US" dirty="0"/>
+              <a:t>Dataset Taken: </a:t>
+            </a:r>
+          </a:p>
+          <a:p>
+            <a:r>
+              <a:rPr lang="en-US" dirty="0"/>
+              <a:t>3000+ images</a:t>
+            </a:r>
+          </a:p>
+          <a:p>
+            <a:r>
+              <a:rPr lang="en-US" dirty="0"/>
+              <a:t>20 classes</a:t>
+            </a:r>
+          </a:p>
+          <a:p>
+            <a:r>
+              <a:rPr lang="en-US" dirty="0"/>
+              <a:t>Minority class number: 2</a:t>
+            </a:r>
+          </a:p>
+        </p:txBody>
+      </p:sp>
+    </p:spTree>
+    <p:extLst>
+      <p:ext uri="{BB962C8B-B14F-4D97-AF65-F5344CB8AC3E}">
+        <p14:creationId xmlns:p14="http://schemas.microsoft.com/office/powerpoint/2010/main" val="3911652099"/>
+      </p:ext>
+    </p:extLst>
+  </p:cSld>
+  <p:clrMapOvr>
+    <a:masterClrMapping/>
+  </p:clrMapOvr>
+</p:sld>
+</file>
+
+<file path=ppt/slides/slide6.xml><?xml version="1.0" encoding="utf-8"?>
+<p:sld xmlns:a="http://schemas.openxmlformats.org/drawingml/2006/main" xmlns:r="http://schemas.openxmlformats.org/officeDocument/2006/relationships" xmlns:p="http://schemas.openxmlformats.org/presentationml/2006/main">
+  <p:cSld>
+    <p:spTree>
+      <p:nvGrpSpPr>
+        <p:cNvPr id="1" name=""/>
+        <p:cNvGrpSpPr/>
+        <p:nvPr/>
+      </p:nvGrpSpPr>
+      <p:grpSpPr>
+        <a:xfrm>
+          <a:off x="0" y="0"/>
+          <a:ext cx="0" cy="0"/>
+          <a:chOff x="0" y="0"/>
+          <a:chExt cx="0" cy="0"/>
+        </a:xfrm>
+      </p:grpSpPr>
+      <p:sp>
+        <p:nvSpPr>
+          <p:cNvPr id="5" name="Title 4">
+            <a:extLst>
+              <a:ext uri="{FF2B5EF4-FFF2-40B4-BE49-F238E27FC236}">
+                <a16:creationId xmlns:a16="http://schemas.microsoft.com/office/drawing/2014/main" id="{0AB4AF89-E5B3-4ACE-A7F3-EBBFC80FBA69}"/>
+              </a:ext>
+            </a:extLst>
+          </p:cNvPr>
+          <p:cNvSpPr>
+            <a:spLocks noGrp="1"/>
+          </p:cNvSpPr>
+          <p:nvPr>
+            <p:ph type="title"/>
+          </p:nvPr>
+        </p:nvSpPr>
+        <p:spPr/>
+        <p:txBody>
+          <a:bodyPr/>
+          <a:lstStyle/>
+          <a:p>
+            <a:r>
+              <a:rPr lang="en-US" dirty="0"/>
+              <a:t>Update</a:t>
+            </a:r>
+            <a:endParaRPr lang="en-IN" dirty="0"/>
+          </a:p>
+        </p:txBody>
+      </p:sp>
+      <p:pic>
+        <p:nvPicPr>
+          <p:cNvPr id="8" name="Content Placeholder 7">
+            <a:extLst>
+              <a:ext uri="{FF2B5EF4-FFF2-40B4-BE49-F238E27FC236}">
+                <a16:creationId xmlns:a16="http://schemas.microsoft.com/office/drawing/2014/main" id="{1E97CD22-FAA6-4D21-A9EB-D1104E82548B}"/>
+              </a:ext>
+            </a:extLst>
+          </p:cNvPr>
+          <p:cNvPicPr>
+            <a:picLocks noGrp="1" noChangeAspect="1"/>
+          </p:cNvPicPr>
+          <p:nvPr>
+            <p:ph idx="1"/>
+          </p:nvPr>
+        </p:nvPicPr>
+        <p:blipFill>
+          <a:blip r:embed="rId2">
+            <a:extLst>
+              <a:ext uri="{28A0092B-C50C-407E-A947-70E740481C1C}">
+                <a14:useLocalDpi xmlns:a14="http://schemas.microsoft.com/office/drawing/2010/main" val="0"/>
+              </a:ext>
+            </a:extLst>
+          </a:blip>
+          <a:stretch>
+            <a:fillRect/>
+          </a:stretch>
+        </p:blipFill>
+        <p:spPr>
+          <a:xfrm>
+            <a:off x="650690" y="1690688"/>
+            <a:ext cx="5801784" cy="4351338"/>
+          </a:xfrm>
+        </p:spPr>
+      </p:pic>
+      <p:pic>
+        <p:nvPicPr>
+          <p:cNvPr id="10" name="Picture 9">
+            <a:extLst>
+              <a:ext uri="{FF2B5EF4-FFF2-40B4-BE49-F238E27FC236}">
+                <a16:creationId xmlns:a16="http://schemas.microsoft.com/office/drawing/2014/main" id="{495FE3D6-D9E4-44AC-8FB8-E0874523565D}"/>
+              </a:ext>
+            </a:extLst>
+          </p:cNvPr>
+          <p:cNvPicPr>
+            <a:picLocks noChangeAspect="1"/>
+          </p:cNvPicPr>
+          <p:nvPr/>
+        </p:nvPicPr>
+        <p:blipFill>
+          <a:blip r:embed="rId3">
+            <a:extLst>
+              <a:ext uri="{28A0092B-C50C-407E-A947-70E740481C1C}">
+                <a14:useLocalDpi xmlns:a14="http://schemas.microsoft.com/office/drawing/2010/main" val="0"/>
+              </a:ext>
+            </a:extLst>
+          </a:blip>
+          <a:stretch>
+            <a:fillRect/>
+          </a:stretch>
+        </p:blipFill>
+        <p:spPr>
+          <a:xfrm>
+            <a:off x="6339828" y="1459722"/>
+            <a:ext cx="5852172" cy="4389129"/>
+          </a:xfrm>
+          <a:prstGeom prst="rect">
+            <a:avLst/>
+          </a:prstGeom>
+        </p:spPr>
+      </p:pic>
+    </p:spTree>
+    <p:extLst>
+      <p:ext uri="{BB962C8B-B14F-4D97-AF65-F5344CB8AC3E}">
+        <p14:creationId xmlns:p14="http://schemas.microsoft.com/office/powerpoint/2010/main" val="3618883062"/>
+      </p:ext>
+    </p:extLst>
+  </p:cSld>
+  <p:clrMapOvr>
+    <a:masterClrMapping/>
+  </p:clrMapOvr>
+</p:sld>
+</file>
+
+<file path=ppt/slides/slide7.xml><?xml version="1.0" encoding="utf-8"?>
+<p:sld xmlns:a="http://schemas.openxmlformats.org/drawingml/2006/main" xmlns:r="http://schemas.openxmlformats.org/officeDocument/2006/relationships" xmlns:p="http://schemas.openxmlformats.org/presentationml/2006/main">
+  <p:cSld>
+    <p:spTree>
+      <p:nvGrpSpPr>
+        <p:cNvPr id="1" name=""/>
+        <p:cNvGrpSpPr/>
+        <p:nvPr/>
+      </p:nvGrpSpPr>
+      <p:grpSpPr>
+        <a:xfrm>
+          <a:off x="0" y="0"/>
+          <a:ext cx="0" cy="0"/>
+          <a:chOff x="0" y="0"/>
+          <a:chExt cx="0" cy="0"/>
+        </a:xfrm>
+      </p:grpSpPr>
+      <p:sp>
+        <p:nvSpPr>
+          <p:cNvPr id="2" name="Title 1">
+            <a:extLst>
+              <a:ext uri="{FF2B5EF4-FFF2-40B4-BE49-F238E27FC236}">
+                <a16:creationId xmlns:a16="http://schemas.microsoft.com/office/drawing/2014/main" id="{4E31F742-F304-454D-A179-9F2241BFFC2B}"/>
+              </a:ext>
+            </a:extLst>
+          </p:cNvPr>
+          <p:cNvSpPr>
+            <a:spLocks noGrp="1"/>
+          </p:cNvSpPr>
+          <p:nvPr>
+            <p:ph type="title"/>
+          </p:nvPr>
+        </p:nvSpPr>
+        <p:spPr/>
+        <p:txBody>
+          <a:bodyPr/>
+          <a:lstStyle/>
+          <a:p>
+            <a:r>
+              <a:rPr lang="en-US" dirty="0"/>
+              <a:t>Classification model</a:t>
+            </a:r>
+            <a:endParaRPr lang="en-IN" dirty="0"/>
+          </a:p>
+        </p:txBody>
+      </p:sp>
+      <p:sp>
+        <p:nvSpPr>
+          <p:cNvPr id="3" name="Content Placeholder 2">
+            <a:extLst>
+              <a:ext uri="{FF2B5EF4-FFF2-40B4-BE49-F238E27FC236}">
+                <a16:creationId xmlns:a16="http://schemas.microsoft.com/office/drawing/2014/main" id="{410BE19B-4A22-42D0-A86C-2A8D985580E0}"/>
+              </a:ext>
+            </a:extLst>
+          </p:cNvPr>
+          <p:cNvSpPr>
+            <a:spLocks noGrp="1"/>
+          </p:cNvSpPr>
+          <p:nvPr>
+            <p:ph idx="1"/>
+          </p:nvPr>
+        </p:nvSpPr>
+        <p:spPr/>
+        <p:txBody>
+          <a:bodyPr/>
+          <a:lstStyle/>
+          <a:p>
+            <a:r>
+              <a:rPr lang="en-US" dirty="0"/>
+              <a:t>Easy Few Shot Learning: Prototypical Network</a:t>
+            </a:r>
+          </a:p>
+          <a:p>
+            <a:r>
+              <a:rPr lang="en-US" dirty="0"/>
+              <a:t>Simple CNN model for classification</a:t>
+            </a:r>
+          </a:p>
+          <a:p>
+            <a:r>
+              <a:rPr lang="en-US" dirty="0"/>
+              <a:t>Train: 70%</a:t>
+            </a:r>
+          </a:p>
+          <a:p>
+            <a:r>
+              <a:rPr lang="en-US" dirty="0"/>
+              <a:t>Test: 30%</a:t>
+            </a:r>
+            <a:endParaRPr lang="en-IN" dirty="0"/>
+          </a:p>
+        </p:txBody>
+      </p:sp>
+    </p:spTree>
+    <p:extLst>
+      <p:ext uri="{BB962C8B-B14F-4D97-AF65-F5344CB8AC3E}">
+        <p14:creationId xmlns:p14="http://schemas.microsoft.com/office/powerpoint/2010/main" val="3664746674"/>
+      </p:ext>
+    </p:extLst>
+  </p:cSld>
+  <p:clrMapOvr>
+    <a:masterClrMapping/>
+  </p:clrMapOvr>
+</p:sld>
+</file>
+
+<file path=ppt/slides/slide8.xml><?xml version="1.0" encoding="utf-8"?>
+<p:sld xmlns:a="http://schemas.openxmlformats.org/drawingml/2006/main" xmlns:r="http://schemas.openxmlformats.org/officeDocument/2006/relationships" xmlns:p="http://schemas.openxmlformats.org/presentationml/2006/main">
+  <p:cSld>
+    <p:spTree>
+      <p:nvGrpSpPr>
+        <p:cNvPr id="1" name=""/>
+        <p:cNvGrpSpPr/>
+        <p:nvPr/>
+      </p:nvGrpSpPr>
+      <p:grpSpPr>
+        <a:xfrm>
+          <a:off x="0" y="0"/>
+          <a:ext cx="0" cy="0"/>
+          <a:chOff x="0" y="0"/>
+          <a:chExt cx="0" cy="0"/>
+        </a:xfrm>
+      </p:grpSpPr>
+      <p:sp>
+        <p:nvSpPr>
+          <p:cNvPr id="2" name="Title 1">
+            <a:extLst>
+              <a:ext uri="{FF2B5EF4-FFF2-40B4-BE49-F238E27FC236}">
+                <a16:creationId xmlns:a16="http://schemas.microsoft.com/office/drawing/2014/main" id="{BCE62090-D6ED-4CF2-8600-A69E308121AF}"/>
+              </a:ext>
+            </a:extLst>
+          </p:cNvPr>
+          <p:cNvSpPr>
+            <a:spLocks noGrp="1"/>
+          </p:cNvSpPr>
+          <p:nvPr>
+            <p:ph type="title"/>
+          </p:nvPr>
+        </p:nvSpPr>
+        <p:spPr/>
+        <p:txBody>
+          <a:bodyPr/>
+          <a:lstStyle/>
+          <a:p>
+            <a:r>
+              <a:rPr lang="en-US" dirty="0"/>
+              <a:t>CNN model Features</a:t>
+            </a:r>
+            <a:endParaRPr lang="en-IN" dirty="0"/>
+          </a:p>
+        </p:txBody>
+      </p:sp>
+      <p:sp>
+        <p:nvSpPr>
+          <p:cNvPr id="4" name="Rectangle 1">
+            <a:extLst>
+              <a:ext uri="{FF2B5EF4-FFF2-40B4-BE49-F238E27FC236}">
+                <a16:creationId xmlns:a16="http://schemas.microsoft.com/office/drawing/2014/main" id="{D032E508-F6D9-4ED6-8389-6D025AFD577E}"/>
+              </a:ext>
+            </a:extLst>
+          </p:cNvPr>
+          <p:cNvSpPr>
+            <a:spLocks noGrp="1" noChangeArrowheads="1"/>
+          </p:cNvSpPr>
+          <p:nvPr>
+            <p:ph idx="1"/>
+          </p:nvPr>
+        </p:nvSpPr>
+        <p:spPr bwMode="auto">
+          <a:xfrm>
+            <a:off x="1091419" y="1792055"/>
+            <a:ext cx="7833619" cy="2308324"/>
+          </a:xfrm>
+          <a:prstGeom prst="rect">
+            <a:avLst/>
+          </a:prstGeom>
+          <a:noFill/>
+          <a:ln>
+            <a:noFill/>
+          </a:ln>
+          <a:effectLst/>
+          <a:extLst>
+            <a:ext uri="{909E8E84-426E-40DD-AFC4-6F175D3DCCD1}">
+              <a14:hiddenFill xmlns:a14="http://schemas.microsoft.com/office/drawing/2010/main">
+                <a:solidFill>
+                  <a:schemeClr val="accent1"/>
+                </a:solidFill>
+              </a14:hiddenFill>
+            </a:ext>
+            <a:ext uri="{91240B29-F687-4F45-9708-019B960494DF}">
+              <a14:hiddenLine xmlns:a14="http://schemas.microsoft.com/office/drawing/2010/main" w="9525">
+                <a:solidFill>
+                  <a:schemeClr val="tx1"/>
+                </a:solidFill>
+                <a:miter lim="800000"/>
+                <a:headEnd/>
+                <a:tailEnd/>
+              </a14:hiddenLine>
+            </a:ext>
+            <a:ext uri="{AF507438-7753-43E0-B8FC-AC1667EBCBE1}">
+              <a14:hiddenEffects xmlns:a14="http://schemas.microsoft.com/office/drawing/2010/main">
+                <a:effectLst>
+                  <a:outerShdw dist="35921" dir="2700000" algn="ctr" rotWithShape="0">
+                    <a:schemeClr val="bg2"/>
+                  </a:outerShdw>
+                </a:effectLst>
+              </a14:hiddenEffects>
+            </a:ext>
+          </a:extLst>
+        </p:spPr>
+        <p:txBody>
+          <a:bodyPr vert="horz" wrap="none" lIns="91440" tIns="45720" rIns="91440" bIns="45720" numCol="1" anchor="ctr" anchorCtr="0" compatLnSpc="1">
+            <a:prstTxWarp prst="textNoShape">
+              <a:avLst/>
+            </a:prstTxWarp>
+            <a:spAutoFit/>
+          </a:bodyPr>
+          <a:lstStyle/>
+          <a:p>
+            <a:pPr marL="0" marR="0" lvl="0" indent="0" algn="l" defTabSz="914400" rtl="0" eaLnBrk="0" fontAlgn="base" latinLnBrk="0" hangingPunct="0">
+              <a:lnSpc>
+                <a:spcPct val="100000"/>
+              </a:lnSpc>
+              <a:spcBef>
+                <a:spcPct val="0"/>
+              </a:spcBef>
+              <a:spcAft>
+                <a:spcPct val="0"/>
+              </a:spcAft>
+              <a:buClrTx/>
+              <a:buSzTx/>
+              <a:buFontTx/>
+              <a:buChar char="•"/>
+              <a:tabLst/>
+            </a:pPr>
+            <a:r>
+              <a:rPr kumimoji="0" lang="en-US" altLang="en-US" sz="1800" b="1" i="0" u="none" strike="noStrike" cap="none" normalizeH="0" baseline="0" dirty="0">
+                <a:ln>
+                  <a:noFill/>
+                </a:ln>
+                <a:solidFill>
+                  <a:schemeClr val="tx1"/>
+                </a:solidFill>
+                <a:effectLst/>
+                <a:latin typeface="+mj-lt"/>
+              </a:rPr>
+              <a:t>Conv2D (32 filters, kernel size 3x3)</a:t>
+            </a:r>
+            <a:r>
+              <a:rPr kumimoji="0" lang="en-US" altLang="en-US" sz="1800" b="0" i="0" u="none" strike="noStrike" cap="none" normalizeH="0" baseline="0" dirty="0">
+                <a:ln>
+                  <a:noFill/>
+                </a:ln>
+                <a:solidFill>
+                  <a:schemeClr val="tx1"/>
+                </a:solidFill>
+                <a:effectLst/>
+                <a:latin typeface="+mj-lt"/>
+              </a:rPr>
+              <a:t>: 1st layer (feature extraction)</a:t>
+            </a:r>
+          </a:p>
+          <a:p>
+            <a:pPr marL="0" marR="0" lvl="0" indent="0" algn="l" defTabSz="914400" rtl="0" eaLnBrk="0" fontAlgn="base" latinLnBrk="0" hangingPunct="0">
+              <a:lnSpc>
+                <a:spcPct val="100000"/>
+              </a:lnSpc>
+              <a:spcBef>
+                <a:spcPct val="0"/>
+              </a:spcBef>
+              <a:spcAft>
+                <a:spcPct val="0"/>
+              </a:spcAft>
+              <a:buClrTx/>
+              <a:buSzTx/>
+              <a:buFontTx/>
+              <a:buChar char="•"/>
+              <a:tabLst/>
+            </a:pPr>
+            <a:r>
+              <a:rPr kumimoji="0" lang="en-US" altLang="en-US" sz="1800" b="1" i="0" u="none" strike="noStrike" cap="none" normalizeH="0" baseline="0" dirty="0">
+                <a:ln>
+                  <a:noFill/>
+                </a:ln>
+                <a:solidFill>
+                  <a:schemeClr val="tx1"/>
+                </a:solidFill>
+                <a:effectLst/>
+                <a:latin typeface="+mj-lt"/>
+              </a:rPr>
+              <a:t>MaxPooling2D (pool size 2x2)</a:t>
+            </a:r>
+            <a:r>
+              <a:rPr kumimoji="0" lang="en-US" altLang="en-US" sz="1800" b="0" i="0" u="none" strike="noStrike" cap="none" normalizeH="0" baseline="0" dirty="0">
+                <a:ln>
+                  <a:noFill/>
+                </a:ln>
+                <a:solidFill>
+                  <a:schemeClr val="tx1"/>
+                </a:solidFill>
+                <a:effectLst/>
+                <a:latin typeface="+mj-lt"/>
+              </a:rPr>
+              <a:t>: 2nd layer (spatial </a:t>
+            </a:r>
+            <a:r>
+              <a:rPr kumimoji="0" lang="en-US" altLang="en-US" sz="1800" b="0" i="0" u="none" strike="noStrike" cap="none" normalizeH="0" baseline="0" dirty="0" err="1">
+                <a:ln>
+                  <a:noFill/>
+                </a:ln>
+                <a:solidFill>
+                  <a:schemeClr val="tx1"/>
+                </a:solidFill>
+                <a:effectLst/>
+                <a:latin typeface="+mj-lt"/>
+              </a:rPr>
+              <a:t>downsampling</a:t>
+            </a:r>
+            <a:r>
+              <a:rPr kumimoji="0" lang="en-US" altLang="en-US" sz="1800" b="0" i="0" u="none" strike="noStrike" cap="none" normalizeH="0" baseline="0" dirty="0">
+                <a:ln>
+                  <a:noFill/>
+                </a:ln>
+                <a:solidFill>
+                  <a:schemeClr val="tx1"/>
+                </a:solidFill>
+                <a:effectLst/>
+                <a:latin typeface="+mj-lt"/>
+              </a:rPr>
+              <a:t>)</a:t>
+            </a:r>
+          </a:p>
+          <a:p>
+            <a:pPr marL="0" marR="0" lvl="0" indent="0" algn="l" defTabSz="914400" rtl="0" eaLnBrk="0" fontAlgn="base" latinLnBrk="0" hangingPunct="0">
+              <a:lnSpc>
+                <a:spcPct val="100000"/>
+              </a:lnSpc>
+              <a:spcBef>
+                <a:spcPct val="0"/>
+              </a:spcBef>
+              <a:spcAft>
+                <a:spcPct val="0"/>
+              </a:spcAft>
+              <a:buClrTx/>
+              <a:buSzTx/>
+              <a:buFontTx/>
+              <a:buChar char="•"/>
+              <a:tabLst/>
+            </a:pPr>
+            <a:r>
+              <a:rPr kumimoji="0" lang="en-US" altLang="en-US" sz="1800" b="1" i="0" u="none" strike="noStrike" cap="none" normalizeH="0" baseline="0" dirty="0">
+                <a:ln>
+                  <a:noFill/>
+                </a:ln>
+                <a:solidFill>
+                  <a:schemeClr val="tx1"/>
+                </a:solidFill>
+                <a:effectLst/>
+                <a:latin typeface="+mj-lt"/>
+              </a:rPr>
+              <a:t>Conv2D (64 filters, kernel size 3x3)</a:t>
+            </a:r>
+            <a:r>
+              <a:rPr kumimoji="0" lang="en-US" altLang="en-US" sz="1800" b="0" i="0" u="none" strike="noStrike" cap="none" normalizeH="0" baseline="0" dirty="0">
+                <a:ln>
+                  <a:noFill/>
+                </a:ln>
+                <a:solidFill>
+                  <a:schemeClr val="tx1"/>
+                </a:solidFill>
+                <a:effectLst/>
+                <a:latin typeface="+mj-lt"/>
+              </a:rPr>
+              <a:t>: 3rd layer (deeper feature extraction)</a:t>
+            </a:r>
+          </a:p>
+          <a:p>
+            <a:pPr marL="0" marR="0" lvl="0" indent="0" algn="l" defTabSz="914400" rtl="0" eaLnBrk="0" fontAlgn="base" latinLnBrk="0" hangingPunct="0">
+              <a:lnSpc>
+                <a:spcPct val="100000"/>
+              </a:lnSpc>
+              <a:spcBef>
+                <a:spcPct val="0"/>
+              </a:spcBef>
+              <a:spcAft>
+                <a:spcPct val="0"/>
+              </a:spcAft>
+              <a:buClrTx/>
+              <a:buSzTx/>
+              <a:buFontTx/>
+              <a:buChar char="•"/>
+              <a:tabLst/>
+            </a:pPr>
+            <a:r>
+              <a:rPr kumimoji="0" lang="en-US" altLang="en-US" sz="1800" b="1" i="0" u="none" strike="noStrike" cap="none" normalizeH="0" baseline="0" dirty="0">
+                <a:ln>
+                  <a:noFill/>
+                </a:ln>
+                <a:solidFill>
+                  <a:schemeClr val="tx1"/>
+                </a:solidFill>
+                <a:effectLst/>
+                <a:latin typeface="+mj-lt"/>
+              </a:rPr>
+              <a:t>MaxPooling2D (pool size 2x2)</a:t>
+            </a:r>
+            <a:r>
+              <a:rPr kumimoji="0" lang="en-US" altLang="en-US" sz="1800" b="0" i="0" u="none" strike="noStrike" cap="none" normalizeH="0" baseline="0" dirty="0">
+                <a:ln>
+                  <a:noFill/>
+                </a:ln>
+                <a:solidFill>
+                  <a:schemeClr val="tx1"/>
+                </a:solidFill>
+                <a:effectLst/>
+                <a:latin typeface="+mj-lt"/>
+              </a:rPr>
+              <a:t>: 4th layer (spatial </a:t>
+            </a:r>
+            <a:r>
+              <a:rPr kumimoji="0" lang="en-US" altLang="en-US" sz="1800" b="0" i="0" u="none" strike="noStrike" cap="none" normalizeH="0" baseline="0" dirty="0" err="1">
+                <a:ln>
+                  <a:noFill/>
+                </a:ln>
+                <a:solidFill>
+                  <a:schemeClr val="tx1"/>
+                </a:solidFill>
+                <a:effectLst/>
+                <a:latin typeface="+mj-lt"/>
+              </a:rPr>
+              <a:t>downsampling</a:t>
+            </a:r>
+            <a:r>
+              <a:rPr kumimoji="0" lang="en-US" altLang="en-US" sz="1800" b="0" i="0" u="none" strike="noStrike" cap="none" normalizeH="0" baseline="0" dirty="0">
+                <a:ln>
+                  <a:noFill/>
+                </a:ln>
+                <a:solidFill>
+                  <a:schemeClr val="tx1"/>
+                </a:solidFill>
+                <a:effectLst/>
+                <a:latin typeface="+mj-lt"/>
+              </a:rPr>
+              <a:t>)</a:t>
+            </a:r>
+          </a:p>
+          <a:p>
+            <a:pPr marL="0" marR="0" lvl="0" indent="0" algn="l" defTabSz="914400" rtl="0" eaLnBrk="0" fontAlgn="base" latinLnBrk="0" hangingPunct="0">
+              <a:lnSpc>
+                <a:spcPct val="100000"/>
+              </a:lnSpc>
+              <a:spcBef>
+                <a:spcPct val="0"/>
+              </a:spcBef>
+              <a:spcAft>
+                <a:spcPct val="0"/>
+              </a:spcAft>
+              <a:buClrTx/>
+              <a:buSzTx/>
+              <a:buFontTx/>
+              <a:buChar char="•"/>
+              <a:tabLst/>
+            </a:pPr>
+            <a:r>
+              <a:rPr kumimoji="0" lang="en-US" altLang="en-US" sz="1800" b="1" i="0" u="none" strike="noStrike" cap="none" normalizeH="0" baseline="0" dirty="0">
+                <a:ln>
+                  <a:noFill/>
+                </a:ln>
+                <a:solidFill>
+                  <a:schemeClr val="tx1"/>
+                </a:solidFill>
+                <a:effectLst/>
+                <a:latin typeface="+mj-lt"/>
+              </a:rPr>
+              <a:t>Flatten</a:t>
+            </a:r>
+            <a:r>
+              <a:rPr kumimoji="0" lang="en-US" altLang="en-US" sz="1800" b="0" i="0" u="none" strike="noStrike" cap="none" normalizeH="0" baseline="0" dirty="0">
+                <a:ln>
+                  <a:noFill/>
+                </a:ln>
+                <a:solidFill>
+                  <a:schemeClr val="tx1"/>
+                </a:solidFill>
+                <a:effectLst/>
+                <a:latin typeface="+mj-lt"/>
+              </a:rPr>
+              <a:t>: 5th layer (flattening the 2D feature maps into 1D)</a:t>
+            </a:r>
+          </a:p>
+          <a:p>
+            <a:pPr marL="0" marR="0" lvl="0" indent="0" algn="l" defTabSz="914400" rtl="0" eaLnBrk="0" fontAlgn="base" latinLnBrk="0" hangingPunct="0">
+              <a:lnSpc>
+                <a:spcPct val="100000"/>
+              </a:lnSpc>
+              <a:spcBef>
+                <a:spcPct val="0"/>
+              </a:spcBef>
+              <a:spcAft>
+                <a:spcPct val="0"/>
+              </a:spcAft>
+              <a:buClrTx/>
+              <a:buSzTx/>
+              <a:buFontTx/>
+              <a:buChar char="•"/>
+              <a:tabLst/>
+            </a:pPr>
+            <a:r>
+              <a:rPr kumimoji="0" lang="en-US" altLang="en-US" sz="1800" b="1" i="0" u="none" strike="noStrike" cap="none" normalizeH="0" baseline="0" dirty="0">
+                <a:ln>
+                  <a:noFill/>
+                </a:ln>
+                <a:solidFill>
+                  <a:schemeClr val="tx1"/>
+                </a:solidFill>
+                <a:effectLst/>
+                <a:latin typeface="+mj-lt"/>
+              </a:rPr>
+              <a:t>Dense (128 neurons)</a:t>
+            </a:r>
+            <a:r>
+              <a:rPr kumimoji="0" lang="en-US" altLang="en-US" sz="1800" b="0" i="0" u="none" strike="noStrike" cap="none" normalizeH="0" baseline="0" dirty="0">
+                <a:ln>
+                  <a:noFill/>
+                </a:ln>
+                <a:solidFill>
+                  <a:schemeClr val="tx1"/>
+                </a:solidFill>
+                <a:effectLst/>
+                <a:latin typeface="+mj-lt"/>
+              </a:rPr>
+              <a:t>: 6th layer (fully connected layer)</a:t>
+            </a:r>
+          </a:p>
+          <a:p>
+            <a:pPr marL="0" marR="0" lvl="0" indent="0" algn="l" defTabSz="914400" rtl="0" eaLnBrk="0" fontAlgn="base" latinLnBrk="0" hangingPunct="0">
+              <a:lnSpc>
+                <a:spcPct val="100000"/>
+              </a:lnSpc>
+              <a:spcBef>
+                <a:spcPct val="0"/>
+              </a:spcBef>
+              <a:spcAft>
+                <a:spcPct val="0"/>
+              </a:spcAft>
+              <a:buClrTx/>
+              <a:buSzTx/>
+              <a:buFontTx/>
+              <a:buChar char="•"/>
+              <a:tabLst/>
+            </a:pPr>
+            <a:r>
+              <a:rPr kumimoji="0" lang="en-US" altLang="en-US" sz="1800" b="1" i="0" u="none" strike="noStrike" cap="none" normalizeH="0" baseline="0" dirty="0">
+                <a:ln>
+                  <a:noFill/>
+                </a:ln>
+                <a:solidFill>
+                  <a:schemeClr val="tx1"/>
+                </a:solidFill>
+                <a:effectLst/>
+                <a:latin typeface="+mj-lt"/>
+              </a:rPr>
+              <a:t>Dropout (0.5 rate)</a:t>
+            </a:r>
+            <a:r>
+              <a:rPr kumimoji="0" lang="en-US" altLang="en-US" sz="1800" b="0" i="0" u="none" strike="noStrike" cap="none" normalizeH="0" baseline="0" dirty="0">
+                <a:ln>
+                  <a:noFill/>
+                </a:ln>
+                <a:solidFill>
+                  <a:schemeClr val="tx1"/>
+                </a:solidFill>
+                <a:effectLst/>
+                <a:latin typeface="+mj-lt"/>
+              </a:rPr>
+              <a:t>: 7th layer (dropout for regularization)</a:t>
+            </a:r>
+          </a:p>
+          <a:p>
+            <a:pPr marL="0" marR="0" lvl="0" indent="0" algn="l" defTabSz="914400" rtl="0" eaLnBrk="0" fontAlgn="base" latinLnBrk="0" hangingPunct="0">
+              <a:lnSpc>
+                <a:spcPct val="100000"/>
+              </a:lnSpc>
+              <a:spcBef>
+                <a:spcPct val="0"/>
+              </a:spcBef>
+              <a:spcAft>
+                <a:spcPct val="0"/>
+              </a:spcAft>
+              <a:buClrTx/>
+              <a:buSzTx/>
+              <a:buFontTx/>
+              <a:buChar char="•"/>
+              <a:tabLst/>
+            </a:pPr>
+            <a:r>
+              <a:rPr kumimoji="0" lang="en-US" altLang="en-US" sz="1800" b="1" i="0" u="none" strike="noStrike" cap="none" normalizeH="0" baseline="0" dirty="0">
+                <a:ln>
+                  <a:noFill/>
+                </a:ln>
+                <a:solidFill>
+                  <a:schemeClr val="tx1"/>
+                </a:solidFill>
+                <a:effectLst/>
+                <a:latin typeface="+mj-lt"/>
+              </a:rPr>
+              <a:t>Dense (</a:t>
+            </a:r>
+            <a:r>
+              <a:rPr kumimoji="0" lang="en-US" altLang="en-US" sz="1800" b="1" i="0" u="none" strike="noStrike" cap="none" normalizeH="0" baseline="0" dirty="0" err="1">
+                <a:ln>
+                  <a:noFill/>
+                </a:ln>
+                <a:solidFill>
+                  <a:schemeClr val="tx1"/>
+                </a:solidFill>
+                <a:effectLst/>
+                <a:latin typeface="+mj-lt"/>
+              </a:rPr>
+              <a:t>num_classes</a:t>
+            </a:r>
+            <a:r>
+              <a:rPr kumimoji="0" lang="en-US" altLang="en-US" sz="1800" b="1" i="0" u="none" strike="noStrike" cap="none" normalizeH="0" baseline="0" dirty="0">
+                <a:ln>
+                  <a:noFill/>
+                </a:ln>
+                <a:solidFill>
+                  <a:schemeClr val="tx1"/>
+                </a:solidFill>
+                <a:effectLst/>
+                <a:latin typeface="+mj-lt"/>
+              </a:rPr>
+              <a:t>, </a:t>
+            </a:r>
+            <a:r>
+              <a:rPr kumimoji="0" lang="en-US" altLang="en-US" sz="1800" b="1" i="0" u="none" strike="noStrike" cap="none" normalizeH="0" baseline="0" dirty="0" err="1">
+                <a:ln>
+                  <a:noFill/>
+                </a:ln>
+                <a:solidFill>
+                  <a:schemeClr val="tx1"/>
+                </a:solidFill>
+                <a:effectLst/>
+                <a:latin typeface="+mj-lt"/>
+              </a:rPr>
+              <a:t>softmax</a:t>
+            </a:r>
+            <a:r>
+              <a:rPr kumimoji="0" lang="en-US" altLang="en-US" sz="1800" b="1" i="0" u="none" strike="noStrike" cap="none" normalizeH="0" baseline="0" dirty="0">
+                <a:ln>
+                  <a:noFill/>
+                </a:ln>
+                <a:solidFill>
+                  <a:schemeClr val="tx1"/>
+                </a:solidFill>
+                <a:effectLst/>
+                <a:latin typeface="+mj-lt"/>
+              </a:rPr>
+              <a:t> activation)</a:t>
+            </a:r>
+            <a:r>
+              <a:rPr kumimoji="0" lang="en-US" altLang="en-US" sz="1800" b="0" i="0" u="none" strike="noStrike" cap="none" normalizeH="0" baseline="0" dirty="0">
+                <a:ln>
+                  <a:noFill/>
+                </a:ln>
+                <a:solidFill>
+                  <a:schemeClr val="tx1"/>
+                </a:solidFill>
+                <a:effectLst/>
+                <a:latin typeface="+mj-lt"/>
+              </a:rPr>
+              <a:t>: 8th layer (output layer for classification) </a:t>
+            </a:r>
+          </a:p>
+        </p:txBody>
+      </p:sp>
+    </p:spTree>
+    <p:extLst>
+      <p:ext uri="{BB962C8B-B14F-4D97-AF65-F5344CB8AC3E}">
+        <p14:creationId xmlns:p14="http://schemas.microsoft.com/office/powerpoint/2010/main" val="4206064921"/>
+      </p:ext>
+    </p:extLst>
+  </p:cSld>
+  <p:clrMapOvr>
+    <a:masterClrMapping/>
+  </p:clrMapOvr>
+</p:sld>
+</file>
+
+<file path=ppt/slides/slide9.xml><?xml version="1.0" encoding="utf-8"?>
+<p:sld xmlns:a="http://schemas.openxmlformats.org/drawingml/2006/main" xmlns:r="http://schemas.openxmlformats.org/officeDocument/2006/relationships" xmlns:p="http://schemas.openxmlformats.org/presentationml/2006/main">
+  <p:cSld>
+    <p:spTree>
+      <p:nvGrpSpPr>
+        <p:cNvPr id="1" name=""/>
+        <p:cNvGrpSpPr/>
+        <p:nvPr/>
+      </p:nvGrpSpPr>
+      <p:grpSpPr>
+        <a:xfrm>
+          <a:off x="0" y="0"/>
+          <a:ext cx="0" cy="0"/>
+          <a:chOff x="0" y="0"/>
+          <a:chExt cx="0" cy="0"/>
+        </a:xfrm>
+      </p:grpSpPr>
+      <p:sp>
+        <p:nvSpPr>
+          <p:cNvPr id="2" name="Title 1">
+            <a:extLst>
+              <a:ext uri="{FF2B5EF4-FFF2-40B4-BE49-F238E27FC236}">
+                <a16:creationId xmlns:a16="http://schemas.microsoft.com/office/drawing/2014/main" id="{F1035333-1AFC-4125-84E0-A6B600080A35}"/>
+              </a:ext>
+            </a:extLst>
+          </p:cNvPr>
+          <p:cNvSpPr>
+            <a:spLocks noGrp="1"/>
+          </p:cNvSpPr>
+          <p:nvPr>
+            <p:ph type="title"/>
+          </p:nvPr>
+        </p:nvSpPr>
+        <p:spPr/>
+        <p:txBody>
+          <a:bodyPr/>
+          <a:lstStyle/>
+          <a:p>
+            <a:r>
+              <a:rPr lang="en-US" b="1" dirty="0"/>
+              <a:t>GAN Model</a:t>
+            </a:r>
+            <a:endParaRPr lang="en-IN" b="1" dirty="0"/>
+          </a:p>
+        </p:txBody>
+      </p:sp>
+      <p:sp>
+        <p:nvSpPr>
+          <p:cNvPr id="3" name="Content Placeholder 2">
+            <a:extLst>
+              <a:ext uri="{FF2B5EF4-FFF2-40B4-BE49-F238E27FC236}">
+                <a16:creationId xmlns:a16="http://schemas.microsoft.com/office/drawing/2014/main" id="{A78E9434-A96D-480B-92AF-27B0424493E6}"/>
+              </a:ext>
+            </a:extLst>
+          </p:cNvPr>
+          <p:cNvSpPr>
+            <a:spLocks noGrp="1"/>
+          </p:cNvSpPr>
+          <p:nvPr>
+            <p:ph idx="1"/>
+          </p:nvPr>
+        </p:nvSpPr>
+        <p:spPr/>
+        <p:txBody>
+          <a:bodyPr>
+            <a:normAutofit fontScale="85000" lnSpcReduction="10000"/>
+          </a:bodyPr>
+          <a:lstStyle/>
+          <a:p>
+            <a:r>
+              <a:rPr lang="en-US" b="1" dirty="0"/>
+              <a:t>Generator Network Layers:</a:t>
+            </a:r>
+          </a:p>
+          <a:p>
+            <a:pPr>
+              <a:buFont typeface="+mj-lt"/>
+              <a:buAutoNum type="arabicPeriod"/>
+            </a:pPr>
+            <a:r>
+              <a:rPr lang="en-US" b="1" dirty="0"/>
+              <a:t>Dense</a:t>
+            </a:r>
+            <a:r>
+              <a:rPr lang="en-US" dirty="0"/>
+              <a:t>: 1st layer (fully connected, input layer)</a:t>
+            </a:r>
+          </a:p>
+          <a:p>
+            <a:pPr>
+              <a:buFont typeface="+mj-lt"/>
+              <a:buAutoNum type="arabicPeriod"/>
+            </a:pPr>
+            <a:r>
+              <a:rPr lang="en-US" b="1" dirty="0"/>
+              <a:t>Reshape</a:t>
+            </a:r>
+            <a:r>
+              <a:rPr lang="en-US" dirty="0"/>
+              <a:t>: 2nd layer (reshaping the output from Dense layer)</a:t>
+            </a:r>
+          </a:p>
+          <a:p>
+            <a:pPr>
+              <a:buFont typeface="+mj-lt"/>
+              <a:buAutoNum type="arabicPeriod"/>
+            </a:pPr>
+            <a:r>
+              <a:rPr lang="en-US" b="1" dirty="0"/>
+              <a:t>Conv2DTranspose (128 filters)</a:t>
+            </a:r>
+            <a:r>
+              <a:rPr lang="en-US" dirty="0"/>
+              <a:t>: 3rd layer (transposed convolution for upscaling)</a:t>
+            </a:r>
+          </a:p>
+          <a:p>
+            <a:pPr>
+              <a:buFont typeface="+mj-lt"/>
+              <a:buAutoNum type="arabicPeriod"/>
+            </a:pPr>
+            <a:r>
+              <a:rPr lang="en-US" b="1" dirty="0" err="1"/>
+              <a:t>BatchNormalization</a:t>
+            </a:r>
+            <a:r>
+              <a:rPr lang="en-US" dirty="0"/>
+              <a:t>: 4th layer (normalization)</a:t>
+            </a:r>
+          </a:p>
+          <a:p>
+            <a:pPr>
+              <a:buFont typeface="+mj-lt"/>
+              <a:buAutoNum type="arabicPeriod"/>
+            </a:pPr>
+            <a:r>
+              <a:rPr lang="en-US" b="1" dirty="0" err="1"/>
+              <a:t>LeakyReLU</a:t>
+            </a:r>
+            <a:r>
+              <a:rPr lang="en-US" dirty="0"/>
+              <a:t>: 5th layer (activation function)</a:t>
+            </a:r>
+          </a:p>
+          <a:p>
+            <a:pPr>
+              <a:buFont typeface="+mj-lt"/>
+              <a:buAutoNum type="arabicPeriod"/>
+            </a:pPr>
+            <a:r>
+              <a:rPr lang="en-US" b="1" dirty="0"/>
+              <a:t>Conv2DTranspose (64 filters)</a:t>
+            </a:r>
+            <a:r>
+              <a:rPr lang="en-US" dirty="0"/>
+              <a:t>: 6th layer (transposed convolution for upscaling)</a:t>
+            </a:r>
+          </a:p>
+          <a:p>
+            <a:pPr>
+              <a:buFont typeface="+mj-lt"/>
+              <a:buAutoNum type="arabicPeriod"/>
+            </a:pPr>
+            <a:r>
+              <a:rPr lang="en-US" b="1" dirty="0" err="1"/>
+              <a:t>BatchNormalization</a:t>
+            </a:r>
+            <a:r>
+              <a:rPr lang="en-US" dirty="0"/>
+              <a:t>: 7th layer (normalization)</a:t>
+            </a:r>
+          </a:p>
+          <a:p>
+            <a:pPr>
+              <a:buFont typeface="+mj-lt"/>
+              <a:buAutoNum type="arabicPeriod"/>
+            </a:pPr>
+            <a:r>
+              <a:rPr lang="en-US" b="1" dirty="0" err="1"/>
+              <a:t>LeakyReLU</a:t>
+            </a:r>
+            <a:r>
+              <a:rPr lang="en-US" dirty="0"/>
+              <a:t>: 8th layer (activation function)</a:t>
+            </a:r>
+          </a:p>
+          <a:p>
+            <a:pPr>
+              <a:buFont typeface="+mj-lt"/>
+              <a:buAutoNum type="arabicPeriod"/>
+            </a:pPr>
+            <a:r>
+              <a:rPr lang="en-US" b="1" dirty="0"/>
+              <a:t>Conv2D (1 filter, tanh activation)</a:t>
+            </a:r>
+            <a:r>
+              <a:rPr lang="en-US" dirty="0"/>
+              <a:t>: 9th layer (output layer, producing the image)</a:t>
+            </a:r>
+          </a:p>
+          <a:p>
+            <a:pPr marL="0" indent="0">
+              <a:buNone/>
+            </a:pPr>
+            <a:endParaRPr lang="en-IN" dirty="0"/>
+          </a:p>
+        </p:txBody>
+      </p:sp>
+    </p:spTree>
+    <p:extLst>
+      <p:ext uri="{BB962C8B-B14F-4D97-AF65-F5344CB8AC3E}">
+        <p14:creationId xmlns:p14="http://schemas.microsoft.com/office/powerpoint/2010/main" val="3152947810"/>
       </p:ext>
     </p:extLst>
   </p:cSld>
@@ -4280,4 +6182,299 @@
     </a:ext>
   </a:extLst>
 </a:theme>
+</file>
+
+<file path=ppt/theme/theme2.xml><?xml version="1.0" encoding="utf-8"?>
+<a:theme xmlns:a="http://schemas.openxmlformats.org/drawingml/2006/main" name="Office Theme">
+  <a:themeElements>
+    <a:clrScheme name="Office">
+      <a:dk1>
+        <a:sysClr val="windowText" lastClr="000000"/>
+      </a:dk1>
+      <a:lt1>
+        <a:sysClr val="window" lastClr="FFFFFF"/>
+      </a:lt1>
+      <a:dk2>
+        <a:srgbClr val="44546A"/>
+      </a:dk2>
+      <a:lt2>
+        <a:srgbClr val="E7E6E6"/>
+      </a:lt2>
+      <a:accent1>
+        <a:srgbClr val="4472C4"/>
+      </a:accent1>
+      <a:accent2>
+        <a:srgbClr val="ED7D31"/>
+      </a:accent2>
+      <a:accent3>
+        <a:srgbClr val="A5A5A5"/>
+      </a:accent3>
+      <a:accent4>
+        <a:srgbClr val="FFC000"/>
+      </a:accent4>
+      <a:accent5>
+        <a:srgbClr val="5B9BD5"/>
+      </a:accent5>
+      <a:accent6>
+        <a:srgbClr val="70AD47"/>
+      </a:accent6>
+      <a:hlink>
+        <a:srgbClr val="0563C1"/>
+      </a:hlink>
+      <a:folHlink>
+        <a:srgbClr val="954F72"/>
+      </a:folHlink>
+    </a:clrScheme>
+    <a:fontScheme name="Office">
+      <a:majorFont>
+        <a:latin typeface="Calibri Light" panose="020F0302020204030204"/>
+        <a:ea typeface=""/>
+        <a:cs typeface=""/>
+        <a:font script="Jpan" typeface="游ゴシック Light"/>
+        <a:font script="Hang" typeface="맑은 고딕"/>
+        <a:font script="Hans" typeface="等线 Light"/>
+        <a:font script="Hant" typeface="新細明體"/>
+        <a:font script="Arab" typeface="Times New Roman"/>
+        <a:font script="Hebr" typeface="Times New Roman"/>
+        <a:font script="Thai" typeface="Angsana New"/>
+        <a:font script="Ethi" typeface="Nyala"/>
+        <a:font script="Beng" typeface="Vrinda"/>
+        <a:font script="Gujr" typeface="Shruti"/>
+        <a:font script="Khmr" typeface="MoolBoran"/>
+        <a:font script="Knda" typeface="Tunga"/>
+        <a:font script="Guru" typeface="Raavi"/>
+        <a:font script="Cans" typeface="Euphemia"/>
+        <a:font script="Cher" typeface="Plantagenet Cherokee"/>
+        <a:font script="Yiii" typeface="Microsoft Yi Baiti"/>
+        <a:font script="Tibt" typeface="Microsoft Himalaya"/>
+        <a:font script="Thaa" typeface="MV Boli"/>
+        <a:font script="Deva" typeface="Mangal"/>
+        <a:font script="Telu" typeface="Gautami"/>
+        <a:font script="Taml" typeface="Latha"/>
+        <a:font script="Syrc" typeface="Estrangelo Edessa"/>
+        <a:font script="Orya" typeface="Kalinga"/>
+        <a:font script="Mlym" typeface="Kartika"/>
+        <a:font script="Laoo" typeface="DokChampa"/>
+        <a:font script="Sinh" typeface="Iskoola Pota"/>
+        <a:font script="Mong" typeface="Mongolian Baiti"/>
+        <a:font script="Viet" typeface="Times New Roman"/>
+        <a:font script="Uigh" typeface="Microsoft Uighur"/>
+        <a:font script="Geor" typeface="Sylfaen"/>
+        <a:font script="Armn" typeface="Arial"/>
+        <a:font script="Bugi" typeface="Leelawadee UI"/>
+        <a:font script="Bopo" typeface="Microsoft JhengHei"/>
+        <a:font script="Java" typeface="Javanese Text"/>
+        <a:font script="Lisu" typeface="Segoe UI"/>
+        <a:font script="Mymr" typeface="Myanmar Text"/>
+        <a:font script="Nkoo" typeface="Ebrima"/>
+        <a:font script="Olck" typeface="Nirmala UI"/>
+        <a:font script="Osma" typeface="Ebrima"/>
+        <a:font script="Phag" typeface="Phagspa"/>
+        <a:font script="Syrn" typeface="Estrangelo Edessa"/>
+        <a:font script="Syrj" typeface="Estrangelo Edessa"/>
+        <a:font script="Syre" typeface="Estrangelo Edessa"/>
+        <a:font script="Sora" typeface="Nirmala UI"/>
+        <a:font script="Tale" typeface="Microsoft Tai Le"/>
+        <a:font script="Talu" typeface="Microsoft New Tai Lue"/>
+        <a:font script="Tfng" typeface="Ebrima"/>
+      </a:majorFont>
+      <a:minorFont>
+        <a:latin typeface="Calibri" panose="020F0502020204030204"/>
+        <a:ea typeface=""/>
+        <a:cs typeface=""/>
+        <a:font script="Jpan" typeface="游ゴシック"/>
+        <a:font script="Hang" typeface="맑은 고딕"/>
+        <a:font script="Hans" typeface="等线"/>
+        <a:font script="Hant" typeface="新細明體"/>
+        <a:font script="Arab" typeface="Arial"/>
+        <a:font script="Hebr" typeface="Arial"/>
+        <a:font script="Thai" typeface="Cordia New"/>
+        <a:font script="Ethi" typeface="Nyala"/>
+        <a:font script="Beng" typeface="Vrinda"/>
+        <a:font script="Gujr" typeface="Shruti"/>
+        <a:font script="Khmr" typeface="DaunPenh"/>
+        <a:font script="Knda" typeface="Tunga"/>
+        <a:font script="Guru" typeface="Raavi"/>
+        <a:font script="Cans" typeface="Euphemia"/>
+        <a:font script="Cher" typeface="Plantagenet Cherokee"/>
+        <a:font script="Yiii" typeface="Microsoft Yi Baiti"/>
+        <a:font script="Tibt" typeface="Microsoft Himalaya"/>
+        <a:font script="Thaa" typeface="MV Boli"/>
+        <a:font script="Deva" typeface="Mangal"/>
+        <a:font script="Telu" typeface="Gautami"/>
+        <a:font script="Taml" typeface="Latha"/>
+        <a:font script="Syrc" typeface="Estrangelo Edessa"/>
+        <a:font script="Orya" typeface="Kalinga"/>
+        <a:font script="Mlym" typeface="Kartika"/>
+        <a:font script="Laoo" typeface="DokChampa"/>
+        <a:font script="Sinh" typeface="Iskoola Pota"/>
+        <a:font script="Mong" typeface="Mongolian Baiti"/>
+        <a:font script="Viet" typeface="Arial"/>
+        <a:font script="Uigh" typeface="Microsoft Uighur"/>
+        <a:font script="Geor" typeface="Sylfaen"/>
+        <a:font script="Armn" typeface="Arial"/>
+        <a:font script="Bugi" typeface="Leelawadee UI"/>
+        <a:font script="Bopo" typeface="Microsoft JhengHei"/>
+        <a:font script="Java" typeface="Javanese Text"/>
+        <a:font script="Lisu" typeface="Segoe UI"/>
+        <a:font script="Mymr" typeface="Myanmar Text"/>
+        <a:font script="Nkoo" typeface="Ebrima"/>
+        <a:font script="Olck" typeface="Nirmala UI"/>
+        <a:font script="Osma" typeface="Ebrima"/>
+        <a:font script="Phag" typeface="Phagspa"/>
+        <a:font script="Syrn" typeface="Estrangelo Edessa"/>
+        <a:font script="Syrj" typeface="Estrangelo Edessa"/>
+        <a:font script="Syre" typeface="Estrangelo Edessa"/>
+        <a:font script="Sora" typeface="Nirmala UI"/>
+        <a:font script="Tale" typeface="Microsoft Tai Le"/>
+        <a:font script="Talu" typeface="Microsoft New Tai Lue"/>
+        <a:font script="Tfng" typeface="Ebrima"/>
+      </a:minorFont>
+    </a:fontScheme>
+    <a:fmtScheme name="Office">
+      <a:fillStyleLst>
+        <a:solidFill>
+          <a:schemeClr val="phClr"/>
+        </a:solidFill>
+        <a:gradFill rotWithShape="1">
+          <a:gsLst>
+            <a:gs pos="0">
+              <a:schemeClr val="phClr">
+                <a:lumMod val="110000"/>
+                <a:satMod val="105000"/>
+                <a:tint val="67000"/>
+              </a:schemeClr>
+            </a:gs>
+            <a:gs pos="50000">
+              <a:schemeClr val="phClr">
+                <a:lumMod val="105000"/>
+                <a:satMod val="103000"/>
+                <a:tint val="73000"/>
+              </a:schemeClr>
+            </a:gs>
+            <a:gs pos="100000">
+              <a:schemeClr val="phClr">
+                <a:lumMod val="105000"/>
+                <a:satMod val="109000"/>
+                <a:tint val="81000"/>
+              </a:schemeClr>
+            </a:gs>
+          </a:gsLst>
+          <a:lin ang="5400000" scaled="0"/>
+        </a:gradFill>
+        <a:gradFill rotWithShape="1">
+          <a:gsLst>
+            <a:gs pos="0">
+              <a:schemeClr val="phClr">
+                <a:satMod val="103000"/>
+                <a:lumMod val="102000"/>
+                <a:tint val="94000"/>
+              </a:schemeClr>
+            </a:gs>
+            <a:gs pos="50000">
+              <a:schemeClr val="phClr">
+                <a:satMod val="110000"/>
+                <a:lumMod val="100000"/>
+                <a:shade val="100000"/>
+              </a:schemeClr>
+            </a:gs>
+            <a:gs pos="100000">
+              <a:schemeClr val="phClr">
+                <a:lumMod val="99000"/>
+                <a:satMod val="120000"/>
+                <a:shade val="78000"/>
+              </a:schemeClr>
+            </a:gs>
+          </a:gsLst>
+          <a:lin ang="5400000" scaled="0"/>
+        </a:gradFill>
+      </a:fillStyleLst>
+      <a:lnStyleLst>
+        <a:ln w="6350" cap="flat" cmpd="sng" algn="ctr">
+          <a:solidFill>
+            <a:schemeClr val="phClr"/>
+          </a:solidFill>
+          <a:prstDash val="solid"/>
+          <a:miter lim="800000"/>
+        </a:ln>
+        <a:ln w="12700" cap="flat" cmpd="sng" algn="ctr">
+          <a:solidFill>
+            <a:schemeClr val="phClr"/>
+          </a:solidFill>
+          <a:prstDash val="solid"/>
+          <a:miter lim="800000"/>
+        </a:ln>
+        <a:ln w="19050" cap="flat" cmpd="sng" algn="ctr">
+          <a:solidFill>
+            <a:schemeClr val="phClr"/>
+          </a:solidFill>
+          <a:prstDash val="solid"/>
+          <a:miter lim="800000"/>
+        </a:ln>
+      </a:lnStyleLst>
+      <a:effectStyleLst>
+        <a:effectStyle>
+          <a:effectLst/>
+        </a:effectStyle>
+        <a:effectStyle>
+          <a:effectLst/>
+        </a:effectStyle>
+        <a:effectStyle>
+          <a:effectLst>
+            <a:outerShdw blurRad="57150" dist="19050" dir="5400000" algn="ctr" rotWithShape="0">
+              <a:srgbClr val="000000">
+                <a:alpha val="63000"/>
+              </a:srgbClr>
+            </a:outerShdw>
+          </a:effectLst>
+        </a:effectStyle>
+      </a:effectStyleLst>
+      <a:bgFillStyleLst>
+        <a:solidFill>
+          <a:schemeClr val="phClr"/>
+        </a:solidFill>
+        <a:solidFill>
+          <a:schemeClr val="phClr">
+            <a:tint val="95000"/>
+            <a:satMod val="170000"/>
+          </a:schemeClr>
+        </a:solidFill>
+        <a:gradFill rotWithShape="1">
+          <a:gsLst>
+            <a:gs pos="0">
+              <a:schemeClr val="phClr">
+                <a:tint val="93000"/>
+                <a:satMod val="150000"/>
+                <a:shade val="98000"/>
+                <a:lumMod val="102000"/>
+              </a:schemeClr>
+            </a:gs>
+            <a:gs pos="50000">
+              <a:schemeClr val="phClr">
+                <a:tint val="98000"/>
+                <a:satMod val="130000"/>
+                <a:shade val="90000"/>
+                <a:lumMod val="103000"/>
+              </a:schemeClr>
+            </a:gs>
+            <a:gs pos="100000">
+              <a:schemeClr val="phClr">
+                <a:shade val="63000"/>
+                <a:satMod val="120000"/>
+              </a:schemeClr>
+            </a:gs>
+          </a:gsLst>
+          <a:lin ang="5400000" scaled="0"/>
+        </a:gradFill>
+      </a:bgFillStyleLst>
+    </a:fmtScheme>
+  </a:themeElements>
+  <a:objectDefaults/>
+  <a:extraClrSchemeLst/>
+  <a:extLst>
+    <a:ext uri="{05A4C25C-085E-4340-85A3-A5531E510DB2}">
+      <thm15:themeFamily xmlns:thm15="http://schemas.microsoft.com/office/thememl/2012/main" name="Office Theme" id="{62F939B6-93AF-4DB8-9C6B-D6C7DFDC589F}" vid="{4A3C46E8-61CC-4603-A589-7422A47A8E4A}"/>
+    </a:ext>
+  </a:extLst>
+</a:theme>
 </file>